--- a/week7-and-group_project/nesbitt-week7.pptx
+++ b/week7-and-group_project/nesbitt-week7.pptx
@@ -7,13 +7,15 @@
   <p:sldIdLst>
     <p:sldId id="280" r:id="rId5"/>
     <p:sldId id="291" r:id="rId6"/>
-    <p:sldId id="282" r:id="rId7"/>
-    <p:sldId id="284" r:id="rId8"/>
-    <p:sldId id="292" r:id="rId9"/>
-    <p:sldId id="285" r:id="rId10"/>
-    <p:sldId id="293" r:id="rId11"/>
-    <p:sldId id="294" r:id="rId12"/>
-    <p:sldId id="283" r:id="rId13"/>
+    <p:sldId id="292" r:id="rId7"/>
+    <p:sldId id="293" r:id="rId8"/>
+    <p:sldId id="294" r:id="rId9"/>
+    <p:sldId id="295" r:id="rId10"/>
+    <p:sldId id="296" r:id="rId11"/>
+    <p:sldId id="297" r:id="rId12"/>
+    <p:sldId id="298" r:id="rId13"/>
+    <p:sldId id="299" r:id="rId14"/>
+    <p:sldId id="283" r:id="rId15"/>
   </p:sldIdLst>
   <p:sldSz cx="12192000" cy="6858000"/>
   <p:notesSz cx="6858000" cy="9144000"/>
@@ -6144,6 +6146,186 @@
 </p:sld>
 </file>
 
+<file path=ppt/slides/slide10.xml><?xml version="1.0" encoding="utf-8"?>
+<p:sld xmlns:a="http://schemas.openxmlformats.org/drawingml/2006/main" xmlns:r="http://schemas.openxmlformats.org/officeDocument/2006/relationships" xmlns:p="http://schemas.openxmlformats.org/presentationml/2006/main">
+  <p:cSld>
+    <p:spTree>
+      <p:nvGrpSpPr>
+        <p:cNvPr id="1" name=""/>
+        <p:cNvGrpSpPr/>
+        <p:nvPr/>
+      </p:nvGrpSpPr>
+      <p:grpSpPr>
+        <a:xfrm>
+          <a:off x="0" y="0"/>
+          <a:ext cx="0" cy="0"/>
+          <a:chOff x="0" y="0"/>
+          <a:chExt cx="0" cy="0"/>
+        </a:xfrm>
+      </p:grpSpPr>
+      <p:sp>
+        <p:nvSpPr>
+          <p:cNvPr id="2" name="Title 1">
+            <a:extLst>
+              <a:ext uri="{FF2B5EF4-FFF2-40B4-BE49-F238E27FC236}">
+                <a16:creationId xmlns:a16="http://schemas.microsoft.com/office/drawing/2014/main" id="{C3718959-6770-477F-9AF4-D11C8DC94E8F}"/>
+              </a:ext>
+            </a:extLst>
+          </p:cNvPr>
+          <p:cNvSpPr>
+            <a:spLocks noGrp="1"/>
+          </p:cNvSpPr>
+          <p:nvPr>
+            <p:ph type="title"/>
+          </p:nvPr>
+        </p:nvSpPr>
+        <p:spPr/>
+        <p:txBody>
+          <a:bodyPr/>
+          <a:lstStyle/>
+          <a:p>
+            <a:r>
+              <a:rPr lang="en-US" dirty="0"/>
+              <a:t>SOA Scalability</a:t>
+            </a:r>
+          </a:p>
+        </p:txBody>
+      </p:sp>
+      <p:sp>
+        <p:nvSpPr>
+          <p:cNvPr id="3" name="Content Placeholder 2">
+            <a:extLst>
+              <a:ext uri="{FF2B5EF4-FFF2-40B4-BE49-F238E27FC236}">
+                <a16:creationId xmlns:a16="http://schemas.microsoft.com/office/drawing/2014/main" id="{A6AAC744-22CB-4330-AC3C-DAE459443112}"/>
+              </a:ext>
+            </a:extLst>
+          </p:cNvPr>
+          <p:cNvSpPr>
+            <a:spLocks noGrp="1"/>
+          </p:cNvSpPr>
+          <p:nvPr>
+            <p:ph idx="1"/>
+          </p:nvPr>
+        </p:nvSpPr>
+        <p:spPr/>
+        <p:txBody>
+          <a:bodyPr>
+            <a:normAutofit/>
+          </a:bodyPr>
+          <a:lstStyle/>
+          <a:p>
+            <a:endParaRPr lang="en-US" dirty="0"/>
+          </a:p>
+        </p:txBody>
+      </p:sp>
+    </p:spTree>
+    <p:extLst>
+      <p:ext uri="{BB962C8B-B14F-4D97-AF65-F5344CB8AC3E}">
+        <p14:creationId xmlns:p14="http://schemas.microsoft.com/office/powerpoint/2010/main" val="1637896329"/>
+      </p:ext>
+    </p:extLst>
+  </p:cSld>
+  <p:clrMapOvr>
+    <a:masterClrMapping/>
+  </p:clrMapOvr>
+</p:sld>
+</file>
+
+<file path=ppt/slides/slide11.xml><?xml version="1.0" encoding="utf-8"?>
+<p:sld xmlns:a="http://schemas.openxmlformats.org/drawingml/2006/main" xmlns:r="http://schemas.openxmlformats.org/officeDocument/2006/relationships" xmlns:p="http://schemas.openxmlformats.org/presentationml/2006/main">
+  <p:cSld>
+    <p:spTree>
+      <p:nvGrpSpPr>
+        <p:cNvPr id="1" name=""/>
+        <p:cNvGrpSpPr/>
+        <p:nvPr/>
+      </p:nvGrpSpPr>
+      <p:grpSpPr>
+        <a:xfrm>
+          <a:off x="0" y="0"/>
+          <a:ext cx="0" cy="0"/>
+          <a:chOff x="0" y="0"/>
+          <a:chExt cx="0" cy="0"/>
+        </a:xfrm>
+      </p:grpSpPr>
+      <p:sp>
+        <p:nvSpPr>
+          <p:cNvPr id="2" name="Title 1">
+            <a:extLst>
+              <a:ext uri="{FF2B5EF4-FFF2-40B4-BE49-F238E27FC236}">
+                <a16:creationId xmlns:a16="http://schemas.microsoft.com/office/drawing/2014/main" id="{2089DA50-397C-49C8-ACC1-A78511FA0E65}"/>
+              </a:ext>
+            </a:extLst>
+          </p:cNvPr>
+          <p:cNvSpPr>
+            <a:spLocks noGrp="1"/>
+          </p:cNvSpPr>
+          <p:nvPr>
+            <p:ph type="title"/>
+          </p:nvPr>
+        </p:nvSpPr>
+        <p:spPr/>
+        <p:txBody>
+          <a:bodyPr/>
+          <a:lstStyle/>
+          <a:p>
+            <a:r>
+              <a:rPr lang="en-US" dirty="0"/>
+              <a:t>References</a:t>
+            </a:r>
+          </a:p>
+        </p:txBody>
+      </p:sp>
+      <p:sp>
+        <p:nvSpPr>
+          <p:cNvPr id="3" name="Content Placeholder 2">
+            <a:extLst>
+              <a:ext uri="{FF2B5EF4-FFF2-40B4-BE49-F238E27FC236}">
+                <a16:creationId xmlns:a16="http://schemas.microsoft.com/office/drawing/2014/main" id="{27D28181-E4FB-4A51-A0EF-C1FC978C0F3C}"/>
+              </a:ext>
+            </a:extLst>
+          </p:cNvPr>
+          <p:cNvSpPr>
+            <a:spLocks noGrp="1"/>
+          </p:cNvSpPr>
+          <p:nvPr>
+            <p:ph idx="1"/>
+          </p:nvPr>
+        </p:nvSpPr>
+        <p:spPr/>
+        <p:txBody>
+          <a:bodyPr>
+            <a:normAutofit/>
+          </a:bodyPr>
+          <a:lstStyle/>
+          <a:p>
+            <a:endParaRPr lang="en-US" sz="900" dirty="0">
+              <a:effectLst/>
+            </a:endParaRPr>
+          </a:p>
+          <a:p>
+            <a:r>
+              <a:rPr lang="en-US" sz="1050" dirty="0">
+                <a:effectLst/>
+              </a:rPr>
+              <a:t>Richardson, L., &amp; Amundsen, M. (2015). RESTful Web APIs. Beijing: O'Reilly.</a:t>
+            </a:r>
+          </a:p>
+        </p:txBody>
+      </p:sp>
+    </p:spTree>
+    <p:extLst>
+      <p:ext uri="{BB962C8B-B14F-4D97-AF65-F5344CB8AC3E}">
+        <p14:creationId xmlns:p14="http://schemas.microsoft.com/office/powerpoint/2010/main" val="3149789318"/>
+      </p:ext>
+    </p:extLst>
+  </p:cSld>
+  <p:clrMapOvr>
+    <a:masterClrMapping/>
+  </p:clrMapOvr>
+</p:sld>
+</file>
+
 <file path=ppt/slides/slide2.xml><?xml version="1.0" encoding="utf-8"?>
 <p:sld xmlns:a="http://schemas.openxmlformats.org/drawingml/2006/main" xmlns:r="http://schemas.openxmlformats.org/officeDocument/2006/relationships" xmlns:p="http://schemas.openxmlformats.org/presentationml/2006/main">
   <p:cSld>
@@ -6296,7 +6478,7 @@
           <p:cNvPr id="2" name="Title 1">
             <a:extLst>
               <a:ext uri="{FF2B5EF4-FFF2-40B4-BE49-F238E27FC236}">
-                <a16:creationId xmlns:a16="http://schemas.microsoft.com/office/drawing/2014/main" id="{521F5F59-B9AA-45B0-8CB0-A431155931A9}"/>
+                <a16:creationId xmlns:a16="http://schemas.microsoft.com/office/drawing/2014/main" id="{C3718959-6770-477F-9AF4-D11C8DC94E8F}"/>
               </a:ext>
             </a:extLst>
           </p:cNvPr>
@@ -6314,7 +6496,7 @@
           <a:p>
             <a:r>
               <a:rPr lang="en-US" dirty="0"/>
-              <a:t>Sample business use case - Nerdom</a:t>
+              <a:t>What is Service-oriented architecture </a:t>
             </a:r>
           </a:p>
         </p:txBody>
@@ -6324,7 +6506,7 @@
           <p:cNvPr id="3" name="Content Placeholder 2">
             <a:extLst>
               <a:ext uri="{FF2B5EF4-FFF2-40B4-BE49-F238E27FC236}">
-                <a16:creationId xmlns:a16="http://schemas.microsoft.com/office/drawing/2014/main" id="{6AB4AEB3-79BC-4E87-A8D7-6137BE9E18C6}"/>
+                <a16:creationId xmlns:a16="http://schemas.microsoft.com/office/drawing/2014/main" id="{A6AAC744-22CB-4330-AC3C-DAE459443112}"/>
               </a:ext>
             </a:extLst>
           </p:cNvPr>
@@ -6342,44 +6524,14 @@
           </a:bodyPr>
           <a:lstStyle/>
           <a:p>
-            <a:pPr marL="36900" indent="0">
-              <a:buNone/>
-            </a:pPr>
-            <a:endParaRPr lang="en-US" sz="2000" dirty="0"/>
-          </a:p>
-          <a:p>
-            <a:r>
-              <a:rPr lang="en-US" sz="2000" dirty="0"/>
-              <a:t>Nerdom Micro sells custom wall plates online</a:t>
-            </a:r>
-          </a:p>
-          <a:p>
-            <a:r>
-              <a:rPr lang="en-US" sz="2000" dirty="0"/>
-              <a:t>Nerdom needs an API to keep track of inventory</a:t>
-            </a:r>
-          </a:p>
-          <a:p>
-            <a:r>
-              <a:rPr lang="en-US" sz="2000" dirty="0"/>
-              <a:t>Nerdom would like it to be a private application</a:t>
-            </a:r>
-          </a:p>
-          <a:p>
-            <a:endParaRPr lang="en-US" sz="2000" dirty="0"/>
-          </a:p>
-          <a:p>
-            <a:endParaRPr lang="en-US" sz="2000" dirty="0"/>
-          </a:p>
-          <a:p>
-            <a:endParaRPr lang="en-US" sz="2000" dirty="0"/>
+            <a:endParaRPr lang="en-US" dirty="0"/>
           </a:p>
         </p:txBody>
       </p:sp>
     </p:spTree>
     <p:extLst>
       <p:ext uri="{BB962C8B-B14F-4D97-AF65-F5344CB8AC3E}">
-        <p14:creationId xmlns:p14="http://schemas.microsoft.com/office/powerpoint/2010/main" val="967940879"/>
+        <p14:creationId xmlns:p14="http://schemas.microsoft.com/office/powerpoint/2010/main" val="1765584708"/>
       </p:ext>
     </p:extLst>
   </p:cSld>
@@ -6411,7 +6563,7 @@
           <p:cNvPr id="2" name="Title 1">
             <a:extLst>
               <a:ext uri="{FF2B5EF4-FFF2-40B4-BE49-F238E27FC236}">
-                <a16:creationId xmlns:a16="http://schemas.microsoft.com/office/drawing/2014/main" id="{4C8604BF-2875-4884-A5CD-F0FB9D5F7C13}"/>
+                <a16:creationId xmlns:a16="http://schemas.microsoft.com/office/drawing/2014/main" id="{C3718959-6770-477F-9AF4-D11C8DC94E8F}"/>
               </a:ext>
             </a:extLst>
           </p:cNvPr>
@@ -6424,74 +6576,39 @@
         </p:nvSpPr>
         <p:spPr/>
         <p:txBody>
+          <a:bodyPr/>
+          <a:lstStyle/>
+          <a:p>
+            <a:r>
+              <a:rPr lang="en-US" dirty="0"/>
+              <a:t>What is Enterprise service bus</a:t>
+            </a:r>
+          </a:p>
+        </p:txBody>
+      </p:sp>
+      <p:sp>
+        <p:nvSpPr>
+          <p:cNvPr id="3" name="Content Placeholder 2">
+            <a:extLst>
+              <a:ext uri="{FF2B5EF4-FFF2-40B4-BE49-F238E27FC236}">
+                <a16:creationId xmlns:a16="http://schemas.microsoft.com/office/drawing/2014/main" id="{A6AAC744-22CB-4330-AC3C-DAE459443112}"/>
+              </a:ext>
+            </a:extLst>
+          </p:cNvPr>
+          <p:cNvSpPr>
+            <a:spLocks noGrp="1"/>
+          </p:cNvSpPr>
+          <p:nvPr>
+            <p:ph idx="1"/>
+          </p:nvPr>
+        </p:nvSpPr>
+        <p:spPr/>
+        <p:txBody>
           <a:bodyPr>
             <a:normAutofit/>
           </a:bodyPr>
           <a:lstStyle/>
           <a:p>
-            <a:r>
-              <a:rPr lang="en-US" dirty="0"/>
-              <a:t>Why Implement this API?</a:t>
-            </a:r>
-          </a:p>
-        </p:txBody>
-      </p:sp>
-      <p:sp>
-        <p:nvSpPr>
-          <p:cNvPr id="3" name="Content Placeholder 2">
-            <a:extLst>
-              <a:ext uri="{FF2B5EF4-FFF2-40B4-BE49-F238E27FC236}">
-                <a16:creationId xmlns:a16="http://schemas.microsoft.com/office/drawing/2014/main" id="{FBBDF963-E111-4EF4-9349-157B66E1762A}"/>
-              </a:ext>
-            </a:extLst>
-          </p:cNvPr>
-          <p:cNvSpPr>
-            <a:spLocks noGrp="1"/>
-          </p:cNvSpPr>
-          <p:nvPr>
-            <p:ph idx="1"/>
-          </p:nvPr>
-        </p:nvSpPr>
-        <p:spPr/>
-        <p:txBody>
-          <a:bodyPr>
-            <a:normAutofit/>
-          </a:bodyPr>
-          <a:lstStyle/>
-          <a:p>
-            <a:r>
-              <a:rPr lang="en-US" dirty="0"/>
-              <a:t>It will save time in keeping track of the inventory.</a:t>
-            </a:r>
-          </a:p>
-          <a:p>
-            <a:r>
-              <a:rPr lang="en-US" dirty="0"/>
-              <a:t>This will increase sales due to not being out of stock on certain parts at certain points in time</a:t>
-            </a:r>
-          </a:p>
-          <a:p>
-            <a:r>
-              <a:rPr lang="en-US" dirty="0"/>
-              <a:t>This would potentially allow for customers to order more quantity since more items will be in stock at a time</a:t>
-            </a:r>
-          </a:p>
-          <a:p>
-            <a:r>
-              <a:rPr lang="en-US" dirty="0"/>
-              <a:t>It will actually increase the ROI</a:t>
-            </a:r>
-          </a:p>
-          <a:p>
-            <a:pPr marL="36900" indent="0">
-              <a:buNone/>
-            </a:pPr>
-            <a:endParaRPr lang="en-US" dirty="0"/>
-          </a:p>
-          <a:p>
-            <a:endParaRPr lang="en-US" dirty="0"/>
-          </a:p>
-          <a:p>
             <a:endParaRPr lang="en-US" dirty="0"/>
           </a:p>
         </p:txBody>
@@ -6499,7 +6616,7 @@
     </p:spTree>
     <p:extLst>
       <p:ext uri="{BB962C8B-B14F-4D97-AF65-F5344CB8AC3E}">
-        <p14:creationId xmlns:p14="http://schemas.microsoft.com/office/powerpoint/2010/main" val="1008633566"/>
+        <p14:creationId xmlns:p14="http://schemas.microsoft.com/office/powerpoint/2010/main" val="3178474091"/>
       </p:ext>
     </p:extLst>
   </p:cSld>
@@ -6531,7 +6648,7 @@
           <p:cNvPr id="2" name="Title 1">
             <a:extLst>
               <a:ext uri="{FF2B5EF4-FFF2-40B4-BE49-F238E27FC236}">
-                <a16:creationId xmlns:a16="http://schemas.microsoft.com/office/drawing/2014/main" id="{4C8604BF-2875-4884-A5CD-F0FB9D5F7C13}"/>
+                <a16:creationId xmlns:a16="http://schemas.microsoft.com/office/drawing/2014/main" id="{C3718959-6770-477F-9AF4-D11C8DC94E8F}"/>
               </a:ext>
             </a:extLst>
           </p:cNvPr>
@@ -6549,7 +6666,7 @@
           <a:p>
             <a:r>
               <a:rPr lang="en-US" dirty="0"/>
-              <a:t>SEVEN-STEP DESIGN PROCESS</a:t>
+              <a:t>ESB and SOA Relationship</a:t>
             </a:r>
           </a:p>
         </p:txBody>
@@ -6559,7 +6676,7 @@
           <p:cNvPr id="3" name="Content Placeholder 2">
             <a:extLst>
               <a:ext uri="{FF2B5EF4-FFF2-40B4-BE49-F238E27FC236}">
-                <a16:creationId xmlns:a16="http://schemas.microsoft.com/office/drawing/2014/main" id="{FBBDF963-E111-4EF4-9349-157B66E1762A}"/>
+                <a16:creationId xmlns:a16="http://schemas.microsoft.com/office/drawing/2014/main" id="{A6AAC744-22CB-4330-AC3C-DAE459443112}"/>
               </a:ext>
             </a:extLst>
           </p:cNvPr>
@@ -6573,60 +6690,9 @@
         <p:spPr/>
         <p:txBody>
           <a:bodyPr>
-            <a:normAutofit fontScale="92500" lnSpcReduction="10000"/>
+            <a:normAutofit/>
           </a:bodyPr>
           <a:lstStyle/>
-          <a:p>
-            <a:endParaRPr lang="en-US" dirty="0"/>
-          </a:p>
-          <a:p>
-            <a:r>
-              <a:rPr lang="en-US" dirty="0"/>
-              <a:t>1-Semantics Definitions</a:t>
-            </a:r>
-          </a:p>
-          <a:p>
-            <a:r>
-              <a:rPr lang="en-US" dirty="0"/>
-              <a:t>2-Diagram Creation</a:t>
-            </a:r>
-          </a:p>
-          <a:p>
-            <a:r>
-              <a:rPr lang="en-US" dirty="0"/>
-              <a:t>3-Creating the names and profiles</a:t>
-            </a:r>
-          </a:p>
-          <a:p>
-            <a:r>
-              <a:rPr lang="en-US" dirty="0"/>
-              <a:t>4-Defining the media type</a:t>
-            </a:r>
-          </a:p>
-          <a:p>
-            <a:r>
-              <a:rPr lang="en-US" dirty="0"/>
-              <a:t>5-Create a profile</a:t>
-            </a:r>
-          </a:p>
-          <a:p>
-            <a:r>
-              <a:rPr lang="en-US" dirty="0"/>
-              <a:t>6-Create the code</a:t>
-            </a:r>
-          </a:p>
-          <a:p>
-            <a:r>
-              <a:rPr lang="en-US" dirty="0"/>
-              <a:t>7-Publish</a:t>
-            </a:r>
-          </a:p>
-          <a:p>
-            <a:endParaRPr lang="en-US" dirty="0"/>
-          </a:p>
-          <a:p>
-            <a:endParaRPr lang="en-US" dirty="0"/>
-          </a:p>
           <a:p>
             <a:endParaRPr lang="en-US" dirty="0"/>
           </a:p>
@@ -6635,7 +6701,7 @@
     </p:spTree>
     <p:extLst>
       <p:ext uri="{BB962C8B-B14F-4D97-AF65-F5344CB8AC3E}">
-        <p14:creationId xmlns:p14="http://schemas.microsoft.com/office/powerpoint/2010/main" val="465178353"/>
+        <p14:creationId xmlns:p14="http://schemas.microsoft.com/office/powerpoint/2010/main" val="1984175611"/>
       </p:ext>
     </p:extLst>
   </p:cSld>
@@ -6667,7 +6733,7 @@
           <p:cNvPr id="2" name="Title 1">
             <a:extLst>
               <a:ext uri="{FF2B5EF4-FFF2-40B4-BE49-F238E27FC236}">
-                <a16:creationId xmlns:a16="http://schemas.microsoft.com/office/drawing/2014/main" id="{3EB9CD36-40EF-460A-B17B-B95CB1A1F06A}"/>
+                <a16:creationId xmlns:a16="http://schemas.microsoft.com/office/drawing/2014/main" id="{C3718959-6770-477F-9AF4-D11C8DC94E8F}"/>
               </a:ext>
             </a:extLst>
           </p:cNvPr>
@@ -6685,7 +6751,7 @@
           <a:p>
             <a:r>
               <a:rPr lang="en-US" dirty="0"/>
-              <a:t>Semantics Example</a:t>
+              <a:t>SOA data transmission</a:t>
             </a:r>
           </a:p>
         </p:txBody>
@@ -6695,7 +6761,7 @@
           <p:cNvPr id="3" name="Content Placeholder 2">
             <a:extLst>
               <a:ext uri="{FF2B5EF4-FFF2-40B4-BE49-F238E27FC236}">
-                <a16:creationId xmlns:a16="http://schemas.microsoft.com/office/drawing/2014/main" id="{6EC186CC-CEAA-4041-B3B6-60924917D08B}"/>
+                <a16:creationId xmlns:a16="http://schemas.microsoft.com/office/drawing/2014/main" id="{A6AAC744-22CB-4330-AC3C-DAE459443112}"/>
               </a:ext>
             </a:extLst>
           </p:cNvPr>
@@ -6709,91 +6775,18 @@
         <p:spPr/>
         <p:txBody>
           <a:bodyPr>
-            <a:normAutofit fontScale="77500" lnSpcReduction="20000"/>
+            <a:normAutofit/>
           </a:bodyPr>
           <a:lstStyle/>
           <a:p>
-            <a:r>
-              <a:rPr lang="en-US" dirty="0"/>
-              <a:t>Inventory-Item</a:t>
-            </a:r>
-          </a:p>
-          <a:p>
-            <a:pPr lvl="1"/>
-            <a:r>
-              <a:rPr lang="en-US" dirty="0"/>
-              <a:t>Name</a:t>
-            </a:r>
-          </a:p>
-          <a:p>
-            <a:pPr lvl="1"/>
-            <a:r>
-              <a:rPr lang="en-US" dirty="0"/>
-              <a:t>Quantity</a:t>
-            </a:r>
-          </a:p>
-          <a:p>
-            <a:pPr lvl="1"/>
-            <a:r>
-              <a:rPr lang="en-US" dirty="0"/>
-              <a:t>Price</a:t>
-            </a:r>
-          </a:p>
-          <a:p>
-            <a:pPr lvl="1"/>
-            <a:r>
-              <a:rPr lang="en-US" dirty="0"/>
-              <a:t>Cost</a:t>
-            </a:r>
-          </a:p>
-          <a:p>
-            <a:pPr lvl="1"/>
-            <a:r>
-              <a:rPr lang="en-US" dirty="0"/>
-              <a:t>Manufacturer</a:t>
-            </a:r>
-          </a:p>
-          <a:p>
-            <a:pPr lvl="1"/>
-            <a:r>
-              <a:rPr lang="en-US" dirty="0"/>
-              <a:t>Brand</a:t>
-            </a:r>
-          </a:p>
-          <a:p>
-            <a:pPr lvl="1"/>
-            <a:r>
-              <a:rPr lang="en-US" dirty="0"/>
-              <a:t>Category</a:t>
-            </a:r>
-          </a:p>
-          <a:p>
-            <a:pPr lvl="1"/>
-            <a:r>
-              <a:rPr lang="en-US" dirty="0"/>
-              <a:t>Color</a:t>
-            </a:r>
-          </a:p>
-          <a:p>
-            <a:pPr lvl="1"/>
-            <a:r>
-              <a:rPr lang="en-US" dirty="0"/>
-              <a:t>MPN</a:t>
-            </a:r>
-          </a:p>
-          <a:p>
-            <a:pPr lvl="1"/>
-            <a:r>
-              <a:rPr lang="en-US" dirty="0"/>
-              <a:t>SKU</a:t>
-            </a:r>
+            <a:endParaRPr lang="en-US" dirty="0"/>
           </a:p>
         </p:txBody>
       </p:sp>
     </p:spTree>
     <p:extLst>
       <p:ext uri="{BB962C8B-B14F-4D97-AF65-F5344CB8AC3E}">
-        <p14:creationId xmlns:p14="http://schemas.microsoft.com/office/powerpoint/2010/main" val="3785406913"/>
+        <p14:creationId xmlns:p14="http://schemas.microsoft.com/office/powerpoint/2010/main" val="1066027276"/>
       </p:ext>
     </p:extLst>
   </p:cSld>
@@ -6825,7 +6818,7 @@
           <p:cNvPr id="2" name="Title 1">
             <a:extLst>
               <a:ext uri="{FF2B5EF4-FFF2-40B4-BE49-F238E27FC236}">
-                <a16:creationId xmlns:a16="http://schemas.microsoft.com/office/drawing/2014/main" id="{EBE66526-7295-40C1-9B2D-97552AC603CB}"/>
+                <a16:creationId xmlns:a16="http://schemas.microsoft.com/office/drawing/2014/main" id="{C3718959-6770-477F-9AF4-D11C8DC94E8F}"/>
               </a:ext>
             </a:extLst>
           </p:cNvPr>
@@ -6838,211 +6831,39 @@
         </p:nvSpPr>
         <p:spPr/>
         <p:txBody>
+          <a:bodyPr/>
+          <a:lstStyle/>
+          <a:p>
+            <a:r>
+              <a:rPr lang="en-US" dirty="0"/>
+              <a:t>Pros of SOA</a:t>
+            </a:r>
+          </a:p>
+        </p:txBody>
+      </p:sp>
+      <p:sp>
+        <p:nvSpPr>
+          <p:cNvPr id="3" name="Content Placeholder 2">
+            <a:extLst>
+              <a:ext uri="{FF2B5EF4-FFF2-40B4-BE49-F238E27FC236}">
+                <a16:creationId xmlns:a16="http://schemas.microsoft.com/office/drawing/2014/main" id="{A6AAC744-22CB-4330-AC3C-DAE459443112}"/>
+              </a:ext>
+            </a:extLst>
+          </p:cNvPr>
+          <p:cNvSpPr>
+            <a:spLocks noGrp="1"/>
+          </p:cNvSpPr>
+          <p:nvPr>
+            <p:ph idx="1"/>
+          </p:nvPr>
+        </p:nvSpPr>
+        <p:spPr/>
+        <p:txBody>
           <a:bodyPr>
             <a:normAutofit/>
           </a:bodyPr>
           <a:lstStyle/>
           <a:p>
-            <a:r>
-              <a:rPr lang="en-US" dirty="0"/>
-              <a:t>Creating the actual field Names</a:t>
-            </a:r>
-          </a:p>
-        </p:txBody>
-      </p:sp>
-      <p:sp>
-        <p:nvSpPr>
-          <p:cNvPr id="3" name="Content Placeholder 2">
-            <a:extLst>
-              <a:ext uri="{FF2B5EF4-FFF2-40B4-BE49-F238E27FC236}">
-                <a16:creationId xmlns:a16="http://schemas.microsoft.com/office/drawing/2014/main" id="{B900E5AC-6FEA-4D9D-A0C6-A0BD0B28E012}"/>
-              </a:ext>
-            </a:extLst>
-          </p:cNvPr>
-          <p:cNvSpPr>
-            <a:spLocks noGrp="1"/>
-          </p:cNvSpPr>
-          <p:nvPr>
-            <p:ph idx="1"/>
-          </p:nvPr>
-        </p:nvSpPr>
-        <p:spPr>
-          <a:xfrm>
-            <a:off x="752768" y="2064948"/>
-            <a:ext cx="10353762" cy="3714749"/>
-          </a:xfrm>
-        </p:spPr>
-        <p:txBody>
-          <a:bodyPr>
-            <a:normAutofit fontScale="77500" lnSpcReduction="20000"/>
-          </a:bodyPr>
-          <a:lstStyle/>
-          <a:p>
-            <a:r>
-              <a:rPr lang="en-US" dirty="0"/>
-              <a:t>Inventory-Item</a:t>
-            </a:r>
-          </a:p>
-          <a:p>
-            <a:pPr lvl="1"/>
-            <a:r>
-              <a:rPr lang="en-US" dirty="0"/>
-              <a:t>Name </a:t>
-            </a:r>
-            <a:r>
-              <a:rPr lang="en-US" dirty="0">
-                <a:sym typeface="Wingdings" panose="05000000000000000000" pitchFamily="2" charset="2"/>
-              </a:rPr>
-              <a:t> name</a:t>
-            </a:r>
-            <a:endParaRPr lang="en-US" dirty="0"/>
-          </a:p>
-          <a:p>
-            <a:pPr lvl="1"/>
-            <a:r>
-              <a:rPr lang="en-US" dirty="0"/>
-              <a:t>Price </a:t>
-            </a:r>
-            <a:r>
-              <a:rPr lang="en-US" dirty="0">
-                <a:sym typeface="Wingdings" panose="05000000000000000000" pitchFamily="2" charset="2"/>
-              </a:rPr>
-              <a:t></a:t>
-            </a:r>
-            <a:r>
-              <a:rPr lang="en-US" dirty="0"/>
-              <a:t> price</a:t>
-            </a:r>
-          </a:p>
-          <a:p>
-            <a:pPr lvl="1"/>
-            <a:r>
-              <a:rPr lang="en-US" dirty="0"/>
-              <a:t>Cost</a:t>
-            </a:r>
-            <a:r>
-              <a:rPr lang="en-US" dirty="0">
-                <a:sym typeface="Wingdings" panose="05000000000000000000" pitchFamily="2" charset="2"/>
-              </a:rPr>
-              <a:t>  cost</a:t>
-            </a:r>
-            <a:endParaRPr lang="en-US" dirty="0"/>
-          </a:p>
-          <a:p>
-            <a:pPr lvl="1"/>
-            <a:r>
-              <a:rPr lang="en-US" dirty="0"/>
-              <a:t>Manufacturer</a:t>
-            </a:r>
-            <a:r>
-              <a:rPr lang="en-US" dirty="0">
-                <a:sym typeface="Wingdings" panose="05000000000000000000" pitchFamily="2" charset="2"/>
-              </a:rPr>
-              <a:t>  manufacturer</a:t>
-            </a:r>
-            <a:endParaRPr lang="en-US" dirty="0"/>
-          </a:p>
-          <a:p>
-            <a:pPr lvl="1"/>
-            <a:r>
-              <a:rPr lang="en-US" dirty="0"/>
-              <a:t>Brand</a:t>
-            </a:r>
-            <a:r>
-              <a:rPr lang="en-US" dirty="0">
-                <a:sym typeface="Wingdings" panose="05000000000000000000" pitchFamily="2" charset="2"/>
-              </a:rPr>
-              <a:t>  brand</a:t>
-            </a:r>
-            <a:endParaRPr lang="en-US" dirty="0"/>
-          </a:p>
-          <a:p>
-            <a:pPr lvl="1"/>
-            <a:r>
-              <a:rPr lang="en-US" dirty="0"/>
-              <a:t>Category</a:t>
-            </a:r>
-            <a:r>
-              <a:rPr lang="en-US" dirty="0">
-                <a:sym typeface="Wingdings" panose="05000000000000000000" pitchFamily="2" charset="2"/>
-              </a:rPr>
-              <a:t>  category</a:t>
-            </a:r>
-            <a:endParaRPr lang="en-US" dirty="0"/>
-          </a:p>
-          <a:p>
-            <a:pPr lvl="1"/>
-            <a:r>
-              <a:rPr lang="en-US" dirty="0"/>
-              <a:t>Color</a:t>
-            </a:r>
-            <a:r>
-              <a:rPr lang="en-US" dirty="0">
-                <a:sym typeface="Wingdings" panose="05000000000000000000" pitchFamily="2" charset="2"/>
-              </a:rPr>
-              <a:t>  color</a:t>
-            </a:r>
-            <a:endParaRPr lang="en-US" dirty="0"/>
-          </a:p>
-          <a:p>
-            <a:pPr lvl="1"/>
-            <a:r>
-              <a:rPr lang="en-US" dirty="0"/>
-              <a:t>MPN</a:t>
-            </a:r>
-            <a:r>
-              <a:rPr lang="en-US" dirty="0">
-                <a:sym typeface="Wingdings" panose="05000000000000000000" pitchFamily="2" charset="2"/>
-              </a:rPr>
-              <a:t>  </a:t>
-            </a:r>
-            <a:r>
-              <a:rPr lang="en-US" dirty="0" err="1">
-                <a:sym typeface="Wingdings" panose="05000000000000000000" pitchFamily="2" charset="2"/>
-              </a:rPr>
-              <a:t>mpn</a:t>
-            </a:r>
-            <a:endParaRPr lang="en-US" dirty="0"/>
-          </a:p>
-          <a:p>
-            <a:pPr lvl="1"/>
-            <a:r>
-              <a:rPr lang="en-US" dirty="0"/>
-              <a:t>SKU</a:t>
-            </a:r>
-            <a:r>
-              <a:rPr lang="en-US" dirty="0">
-                <a:sym typeface="Wingdings" panose="05000000000000000000" pitchFamily="2" charset="2"/>
-              </a:rPr>
-              <a:t>  </a:t>
-            </a:r>
-            <a:r>
-              <a:rPr lang="en-US" dirty="0" err="1">
-                <a:sym typeface="Wingdings" panose="05000000000000000000" pitchFamily="2" charset="2"/>
-              </a:rPr>
-              <a:t>sku</a:t>
-            </a:r>
-            <a:endParaRPr lang="en-US" dirty="0"/>
-          </a:p>
-          <a:p>
-            <a:pPr lvl="1"/>
-            <a:r>
-              <a:rPr lang="en-US" dirty="0"/>
-              <a:t>Quantity</a:t>
-            </a:r>
-            <a:r>
-              <a:rPr lang="en-US" dirty="0">
-                <a:sym typeface="Wingdings" panose="05000000000000000000" pitchFamily="2" charset="2"/>
-              </a:rPr>
-              <a:t>  quantity</a:t>
-            </a:r>
-            <a:endParaRPr lang="en-US" dirty="0"/>
-          </a:p>
-          <a:p>
-            <a:pPr lvl="1"/>
-            <a:endParaRPr lang="en-US" dirty="0"/>
-          </a:p>
-          <a:p>
             <a:endParaRPr lang="en-US" dirty="0"/>
           </a:p>
         </p:txBody>
@@ -7050,7 +6871,7 @@
     </p:spTree>
     <p:extLst>
       <p:ext uri="{BB962C8B-B14F-4D97-AF65-F5344CB8AC3E}">
-        <p14:creationId xmlns:p14="http://schemas.microsoft.com/office/powerpoint/2010/main" val="3889058762"/>
+        <p14:creationId xmlns:p14="http://schemas.microsoft.com/office/powerpoint/2010/main" val="3850722302"/>
       </p:ext>
     </p:extLst>
   </p:cSld>
@@ -7082,7 +6903,7 @@
           <p:cNvPr id="2" name="Title 1">
             <a:extLst>
               <a:ext uri="{FF2B5EF4-FFF2-40B4-BE49-F238E27FC236}">
-                <a16:creationId xmlns:a16="http://schemas.microsoft.com/office/drawing/2014/main" id="{E3104307-7A46-44DE-A059-A3BFC2C580F7}"/>
+                <a16:creationId xmlns:a16="http://schemas.microsoft.com/office/drawing/2014/main" id="{C3718959-6770-477F-9AF4-D11C8DC94E8F}"/>
               </a:ext>
             </a:extLst>
           </p:cNvPr>
@@ -7100,7 +6921,7 @@
           <a:p>
             <a:r>
               <a:rPr lang="en-US" dirty="0"/>
-              <a:t>Other steps in the design process</a:t>
+              <a:t>Cons of SOA</a:t>
             </a:r>
           </a:p>
         </p:txBody>
@@ -7110,7 +6931,7 @@
           <p:cNvPr id="3" name="Content Placeholder 2">
             <a:extLst>
               <a:ext uri="{FF2B5EF4-FFF2-40B4-BE49-F238E27FC236}">
-                <a16:creationId xmlns:a16="http://schemas.microsoft.com/office/drawing/2014/main" id="{F4277D25-6E68-4573-911F-173D5C6F1E67}"/>
+                <a16:creationId xmlns:a16="http://schemas.microsoft.com/office/drawing/2014/main" id="{A6AAC744-22CB-4330-AC3C-DAE459443112}"/>
               </a:ext>
             </a:extLst>
           </p:cNvPr>
@@ -7123,44 +6944,19 @@
         </p:nvSpPr>
         <p:spPr/>
         <p:txBody>
-          <a:bodyPr/>
-          <a:lstStyle/>
-          <a:p>
-            <a:r>
-              <a:rPr lang="en-US" dirty="0"/>
-              <a:t>Create a state diagram</a:t>
-            </a:r>
-          </a:p>
-          <a:p>
-            <a:r>
-              <a:rPr lang="en-US" dirty="0"/>
-              <a:t>Choose the media type - For this we will choose the “Collection + JSON” type</a:t>
-            </a:r>
-          </a:p>
-          <a:p>
-            <a:r>
-              <a:rPr lang="en-US" dirty="0"/>
-              <a:t>Creating a profile</a:t>
-            </a:r>
-          </a:p>
-          <a:p>
-            <a:r>
-              <a:rPr lang="en-US" dirty="0"/>
-              <a:t>Implement and write the code</a:t>
-            </a:r>
-          </a:p>
-          <a:p>
-            <a:r>
-              <a:rPr lang="en-US" dirty="0"/>
-              <a:t>Publish the app</a:t>
-            </a:r>
+          <a:bodyPr>
+            <a:normAutofit/>
+          </a:bodyPr>
+          <a:lstStyle/>
+          <a:p>
+            <a:endParaRPr lang="en-US" dirty="0"/>
           </a:p>
         </p:txBody>
       </p:sp>
     </p:spTree>
     <p:extLst>
       <p:ext uri="{BB962C8B-B14F-4D97-AF65-F5344CB8AC3E}">
-        <p14:creationId xmlns:p14="http://schemas.microsoft.com/office/powerpoint/2010/main" val="114271512"/>
+        <p14:creationId xmlns:p14="http://schemas.microsoft.com/office/powerpoint/2010/main" val="716698758"/>
       </p:ext>
     </p:extLst>
   </p:cSld>
@@ -7192,7 +6988,7 @@
           <p:cNvPr id="2" name="Title 1">
             <a:extLst>
               <a:ext uri="{FF2B5EF4-FFF2-40B4-BE49-F238E27FC236}">
-                <a16:creationId xmlns:a16="http://schemas.microsoft.com/office/drawing/2014/main" id="{2089DA50-397C-49C8-ACC1-A78511FA0E65}"/>
+                <a16:creationId xmlns:a16="http://schemas.microsoft.com/office/drawing/2014/main" id="{C3718959-6770-477F-9AF4-D11C8DC94E8F}"/>
               </a:ext>
             </a:extLst>
           </p:cNvPr>
@@ -7210,7 +7006,7 @@
           <a:p>
             <a:r>
               <a:rPr lang="en-US" dirty="0"/>
-              <a:t>References</a:t>
+              <a:t>SOA deployment and management</a:t>
             </a:r>
           </a:p>
         </p:txBody>
@@ -7220,7 +7016,7 @@
           <p:cNvPr id="3" name="Content Placeholder 2">
             <a:extLst>
               <a:ext uri="{FF2B5EF4-FFF2-40B4-BE49-F238E27FC236}">
-                <a16:creationId xmlns:a16="http://schemas.microsoft.com/office/drawing/2014/main" id="{27D28181-E4FB-4A51-A0EF-C1FC978C0F3C}"/>
+                <a16:creationId xmlns:a16="http://schemas.microsoft.com/office/drawing/2014/main" id="{A6AAC744-22CB-4330-AC3C-DAE459443112}"/>
               </a:ext>
             </a:extLst>
           </p:cNvPr>
@@ -7238,24 +7034,14 @@
           </a:bodyPr>
           <a:lstStyle/>
           <a:p>
-            <a:endParaRPr lang="en-US" sz="900" dirty="0">
-              <a:effectLst/>
-            </a:endParaRPr>
-          </a:p>
-          <a:p>
-            <a:r>
-              <a:rPr lang="en-US" sz="1050" dirty="0">
-                <a:effectLst/>
-              </a:rPr>
-              <a:t>Richardson, L., &amp; Amundsen, M. (2015). RESTful Web APIs. Beijing: O'Reilly.</a:t>
-            </a:r>
+            <a:endParaRPr lang="en-US" dirty="0"/>
           </a:p>
         </p:txBody>
       </p:sp>
     </p:spTree>
     <p:extLst>
       <p:ext uri="{BB962C8B-B14F-4D97-AF65-F5344CB8AC3E}">
-        <p14:creationId xmlns:p14="http://schemas.microsoft.com/office/powerpoint/2010/main" val="3149789318"/>
+        <p14:creationId xmlns:p14="http://schemas.microsoft.com/office/powerpoint/2010/main" val="871506227"/>
       </p:ext>
     </p:extLst>
   </p:cSld>

--- a/week7-and-group_project/nesbitt-week7.pptx
+++ b/week7-and-group_project/nesbitt-week7.pptx
@@ -13,9 +13,7 @@
     <p:sldId id="295" r:id="rId10"/>
     <p:sldId id="296" r:id="rId11"/>
     <p:sldId id="297" r:id="rId12"/>
-    <p:sldId id="298" r:id="rId13"/>
-    <p:sldId id="299" r:id="rId14"/>
-    <p:sldId id="283" r:id="rId15"/>
+    <p:sldId id="283" r:id="rId13"/>
   </p:sldIdLst>
   <p:sldSz cx="12192000" cy="6858000"/>
   <p:notesSz cx="6858000" cy="9144000"/>
@@ -6146,186 +6144,6 @@
 </p:sld>
 </file>
 
-<file path=ppt/slides/slide10.xml><?xml version="1.0" encoding="utf-8"?>
-<p:sld xmlns:a="http://schemas.openxmlformats.org/drawingml/2006/main" xmlns:r="http://schemas.openxmlformats.org/officeDocument/2006/relationships" xmlns:p="http://schemas.openxmlformats.org/presentationml/2006/main">
-  <p:cSld>
-    <p:spTree>
-      <p:nvGrpSpPr>
-        <p:cNvPr id="1" name=""/>
-        <p:cNvGrpSpPr/>
-        <p:nvPr/>
-      </p:nvGrpSpPr>
-      <p:grpSpPr>
-        <a:xfrm>
-          <a:off x="0" y="0"/>
-          <a:ext cx="0" cy="0"/>
-          <a:chOff x="0" y="0"/>
-          <a:chExt cx="0" cy="0"/>
-        </a:xfrm>
-      </p:grpSpPr>
-      <p:sp>
-        <p:nvSpPr>
-          <p:cNvPr id="2" name="Title 1">
-            <a:extLst>
-              <a:ext uri="{FF2B5EF4-FFF2-40B4-BE49-F238E27FC236}">
-                <a16:creationId xmlns:a16="http://schemas.microsoft.com/office/drawing/2014/main" id="{C3718959-6770-477F-9AF4-D11C8DC94E8F}"/>
-              </a:ext>
-            </a:extLst>
-          </p:cNvPr>
-          <p:cNvSpPr>
-            <a:spLocks noGrp="1"/>
-          </p:cNvSpPr>
-          <p:nvPr>
-            <p:ph type="title"/>
-          </p:nvPr>
-        </p:nvSpPr>
-        <p:spPr/>
-        <p:txBody>
-          <a:bodyPr/>
-          <a:lstStyle/>
-          <a:p>
-            <a:r>
-              <a:rPr lang="en-US" dirty="0"/>
-              <a:t>SOA Scalability</a:t>
-            </a:r>
-          </a:p>
-        </p:txBody>
-      </p:sp>
-      <p:sp>
-        <p:nvSpPr>
-          <p:cNvPr id="3" name="Content Placeholder 2">
-            <a:extLst>
-              <a:ext uri="{FF2B5EF4-FFF2-40B4-BE49-F238E27FC236}">
-                <a16:creationId xmlns:a16="http://schemas.microsoft.com/office/drawing/2014/main" id="{A6AAC744-22CB-4330-AC3C-DAE459443112}"/>
-              </a:ext>
-            </a:extLst>
-          </p:cNvPr>
-          <p:cNvSpPr>
-            <a:spLocks noGrp="1"/>
-          </p:cNvSpPr>
-          <p:nvPr>
-            <p:ph idx="1"/>
-          </p:nvPr>
-        </p:nvSpPr>
-        <p:spPr/>
-        <p:txBody>
-          <a:bodyPr>
-            <a:normAutofit/>
-          </a:bodyPr>
-          <a:lstStyle/>
-          <a:p>
-            <a:endParaRPr lang="en-US" dirty="0"/>
-          </a:p>
-        </p:txBody>
-      </p:sp>
-    </p:spTree>
-    <p:extLst>
-      <p:ext uri="{BB962C8B-B14F-4D97-AF65-F5344CB8AC3E}">
-        <p14:creationId xmlns:p14="http://schemas.microsoft.com/office/powerpoint/2010/main" val="1637896329"/>
-      </p:ext>
-    </p:extLst>
-  </p:cSld>
-  <p:clrMapOvr>
-    <a:masterClrMapping/>
-  </p:clrMapOvr>
-</p:sld>
-</file>
-
-<file path=ppt/slides/slide11.xml><?xml version="1.0" encoding="utf-8"?>
-<p:sld xmlns:a="http://schemas.openxmlformats.org/drawingml/2006/main" xmlns:r="http://schemas.openxmlformats.org/officeDocument/2006/relationships" xmlns:p="http://schemas.openxmlformats.org/presentationml/2006/main">
-  <p:cSld>
-    <p:spTree>
-      <p:nvGrpSpPr>
-        <p:cNvPr id="1" name=""/>
-        <p:cNvGrpSpPr/>
-        <p:nvPr/>
-      </p:nvGrpSpPr>
-      <p:grpSpPr>
-        <a:xfrm>
-          <a:off x="0" y="0"/>
-          <a:ext cx="0" cy="0"/>
-          <a:chOff x="0" y="0"/>
-          <a:chExt cx="0" cy="0"/>
-        </a:xfrm>
-      </p:grpSpPr>
-      <p:sp>
-        <p:nvSpPr>
-          <p:cNvPr id="2" name="Title 1">
-            <a:extLst>
-              <a:ext uri="{FF2B5EF4-FFF2-40B4-BE49-F238E27FC236}">
-                <a16:creationId xmlns:a16="http://schemas.microsoft.com/office/drawing/2014/main" id="{2089DA50-397C-49C8-ACC1-A78511FA0E65}"/>
-              </a:ext>
-            </a:extLst>
-          </p:cNvPr>
-          <p:cNvSpPr>
-            <a:spLocks noGrp="1"/>
-          </p:cNvSpPr>
-          <p:nvPr>
-            <p:ph type="title"/>
-          </p:nvPr>
-        </p:nvSpPr>
-        <p:spPr/>
-        <p:txBody>
-          <a:bodyPr/>
-          <a:lstStyle/>
-          <a:p>
-            <a:r>
-              <a:rPr lang="en-US" dirty="0"/>
-              <a:t>References</a:t>
-            </a:r>
-          </a:p>
-        </p:txBody>
-      </p:sp>
-      <p:sp>
-        <p:nvSpPr>
-          <p:cNvPr id="3" name="Content Placeholder 2">
-            <a:extLst>
-              <a:ext uri="{FF2B5EF4-FFF2-40B4-BE49-F238E27FC236}">
-                <a16:creationId xmlns:a16="http://schemas.microsoft.com/office/drawing/2014/main" id="{27D28181-E4FB-4A51-A0EF-C1FC978C0F3C}"/>
-              </a:ext>
-            </a:extLst>
-          </p:cNvPr>
-          <p:cNvSpPr>
-            <a:spLocks noGrp="1"/>
-          </p:cNvSpPr>
-          <p:nvPr>
-            <p:ph idx="1"/>
-          </p:nvPr>
-        </p:nvSpPr>
-        <p:spPr/>
-        <p:txBody>
-          <a:bodyPr>
-            <a:normAutofit/>
-          </a:bodyPr>
-          <a:lstStyle/>
-          <a:p>
-            <a:endParaRPr lang="en-US" sz="900" dirty="0">
-              <a:effectLst/>
-            </a:endParaRPr>
-          </a:p>
-          <a:p>
-            <a:r>
-              <a:rPr lang="en-US" sz="1050" dirty="0">
-                <a:effectLst/>
-              </a:rPr>
-              <a:t>Richardson, L., &amp; Amundsen, M. (2015). RESTful Web APIs. Beijing: O'Reilly.</a:t>
-            </a:r>
-          </a:p>
-        </p:txBody>
-      </p:sp>
-    </p:spTree>
-    <p:extLst>
-      <p:ext uri="{BB962C8B-B14F-4D97-AF65-F5344CB8AC3E}">
-        <p14:creationId xmlns:p14="http://schemas.microsoft.com/office/powerpoint/2010/main" val="3149789318"/>
-      </p:ext>
-    </p:extLst>
-  </p:cSld>
-  <p:clrMapOvr>
-    <a:masterClrMapping/>
-  </p:clrMapOvr>
-</p:sld>
-</file>
-
 <file path=ppt/slides/slide2.xml><?xml version="1.0" encoding="utf-8"?>
 <p:sld xmlns:a="http://schemas.openxmlformats.org/drawingml/2006/main" xmlns:r="http://schemas.openxmlformats.org/officeDocument/2006/relationships" xmlns:p="http://schemas.openxmlformats.org/presentationml/2006/main">
   <p:cSld>
@@ -6496,7 +6314,7 @@
           <a:p>
             <a:r>
               <a:rPr lang="en-US" dirty="0"/>
-              <a:t>What is Service-oriented architecture </a:t>
+              <a:t>Service-oriented architecture </a:t>
             </a:r>
           </a:p>
         </p:txBody>
@@ -6523,6 +6341,55 @@
             <a:normAutofit/>
           </a:bodyPr>
           <a:lstStyle/>
+          <a:p>
+            <a:r>
+              <a:rPr lang="en-US" dirty="0"/>
+              <a:t>It is the use of backend web services to help a software application run</a:t>
+            </a:r>
+          </a:p>
+          <a:p>
+            <a:r>
+              <a:rPr lang="en-US" dirty="0"/>
+              <a:t>It saves time and money in hiring developers</a:t>
+            </a:r>
+          </a:p>
+          <a:p>
+            <a:pPr lvl="1"/>
+            <a:r>
+              <a:rPr lang="en-US" dirty="0"/>
+              <a:t>Allows for code reusability instead of recoding it yourself</a:t>
+            </a:r>
+          </a:p>
+          <a:p>
+            <a:r>
+              <a:rPr lang="en-US" dirty="0"/>
+              <a:t>Uses messaging for its communication method</a:t>
+            </a:r>
+          </a:p>
+          <a:p>
+            <a:r>
+              <a:rPr lang="en-US" dirty="0"/>
+              <a:t>Incorporates XML schemas</a:t>
+            </a:r>
+          </a:p>
+          <a:p>
+            <a:r>
+              <a:rPr lang="en-US" dirty="0"/>
+              <a:t>Great for security reasons</a:t>
+            </a:r>
+          </a:p>
+          <a:p>
+            <a:endParaRPr lang="en-US" dirty="0"/>
+          </a:p>
+          <a:p>
+            <a:endParaRPr lang="en-US" dirty="0"/>
+          </a:p>
+          <a:p>
+            <a:endParaRPr lang="en-US" dirty="0"/>
+          </a:p>
+          <a:p>
+            <a:endParaRPr lang="en-US" dirty="0"/>
+          </a:p>
           <a:p>
             <a:endParaRPr lang="en-US" dirty="0"/>
           </a:p>
@@ -6609,6 +6476,42 @@
           </a:bodyPr>
           <a:lstStyle/>
           <a:p>
+            <a:r>
+              <a:rPr lang="en-US" dirty="0"/>
+              <a:t>It is basically a design pattern that is followed in software design</a:t>
+            </a:r>
+          </a:p>
+          <a:p>
+            <a:r>
+              <a:rPr lang="en-US" dirty="0"/>
+              <a:t>Helps with integration of the associated applications</a:t>
+            </a:r>
+          </a:p>
+          <a:p>
+            <a:r>
+              <a:rPr lang="en-US" dirty="0"/>
+              <a:t>Can be defined as middleware</a:t>
+            </a:r>
+          </a:p>
+          <a:p>
+            <a:r>
+              <a:rPr lang="en-US" dirty="0"/>
+              <a:t>Runs in the back end</a:t>
+            </a:r>
+          </a:p>
+          <a:p>
+            <a:r>
+              <a:rPr lang="en-US" dirty="0"/>
+              <a:t>Helps applications communicate with one another</a:t>
+            </a:r>
+          </a:p>
+          <a:p>
+            <a:r>
+              <a:rPr lang="en-US" dirty="0"/>
+              <a:t>It is messaging based</a:t>
+            </a:r>
+          </a:p>
+          <a:p>
             <a:endParaRPr lang="en-US" dirty="0"/>
           </a:p>
         </p:txBody>
@@ -6694,7 +6597,40 @@
           </a:bodyPr>
           <a:lstStyle/>
           <a:p>
-            <a:endParaRPr lang="en-US" dirty="0"/>
+            <a:r>
+              <a:rPr lang="en-US" dirty="0"/>
+              <a:t>ESB is a part of the Service Oriented architecture</a:t>
+            </a:r>
+          </a:p>
+          <a:p>
+            <a:r>
+              <a:rPr lang="en-US" dirty="0"/>
+              <a:t>ESB is the communication program based upon the SOA</a:t>
+            </a:r>
+          </a:p>
+          <a:p>
+            <a:r>
+              <a:rPr lang="en-US" dirty="0"/>
+              <a:t>ESB helps link the services together in a SOA</a:t>
+            </a:r>
+          </a:p>
+          <a:p>
+            <a:r>
+              <a:rPr lang="en-US" dirty="0"/>
+              <a:t>ESB helps with synchronization of the transactions in the SOA</a:t>
+            </a:r>
+          </a:p>
+          <a:p>
+            <a:r>
+              <a:rPr lang="en-US" dirty="0"/>
+              <a:t>ESB helps with security in an SOA</a:t>
+            </a:r>
+          </a:p>
+          <a:p>
+            <a:r>
+              <a:rPr lang="en-US" dirty="0"/>
+              <a:t>ESB can also act as a proxy or gateway between transactions in an SOA</a:t>
+            </a:r>
           </a:p>
         </p:txBody>
       </p:sp>
@@ -6779,7 +6715,42 @@
           </a:bodyPr>
           <a:lstStyle/>
           <a:p>
-            <a:endParaRPr lang="en-US" dirty="0"/>
+            <a:r>
+              <a:rPr lang="en-US" dirty="0"/>
+              <a:t>SOA data is transmitted via a user interface on the front end </a:t>
+            </a:r>
+          </a:p>
+          <a:p>
+            <a:pPr lvl="1"/>
+            <a:r>
+              <a:rPr lang="en-US" dirty="0"/>
+              <a:t>Web browser is one type of UI</a:t>
+            </a:r>
+          </a:p>
+          <a:p>
+            <a:pPr lvl="1"/>
+            <a:r>
+              <a:rPr lang="en-US" dirty="0"/>
+              <a:t>Client software</a:t>
+            </a:r>
+          </a:p>
+          <a:p>
+            <a:r>
+              <a:rPr lang="en-US" dirty="0"/>
+              <a:t>In the back end the data is transmitted via messages</a:t>
+            </a:r>
+          </a:p>
+          <a:p>
+            <a:r>
+              <a:rPr lang="en-US" dirty="0"/>
+              <a:t>An SOA application is divided up into a service oriented hierarchy</a:t>
+            </a:r>
+          </a:p>
+          <a:p>
+            <a:r>
+              <a:rPr lang="en-US" dirty="0"/>
+              <a:t>Service levels sit behind the application and the database</a:t>
+            </a:r>
           </a:p>
         </p:txBody>
       </p:sp>
@@ -6864,6 +6835,45 @@
           </a:bodyPr>
           <a:lstStyle/>
           <a:p>
+            <a:r>
+              <a:rPr lang="en-US" dirty="0"/>
+              <a:t>Saves time in coding an application</a:t>
+            </a:r>
+          </a:p>
+          <a:p>
+            <a:r>
+              <a:rPr lang="en-US" dirty="0"/>
+              <a:t>Allows for a lot of code/service reusability</a:t>
+            </a:r>
+          </a:p>
+          <a:p>
+            <a:r>
+              <a:rPr lang="en-US" dirty="0"/>
+              <a:t>Can be used in multiple platforms</a:t>
+            </a:r>
+          </a:p>
+          <a:p>
+            <a:r>
+              <a:rPr lang="en-US" dirty="0"/>
+              <a:t>Easier to maintain by developers</a:t>
+            </a:r>
+          </a:p>
+          <a:p>
+            <a:r>
+              <a:rPr lang="en-US" dirty="0"/>
+              <a:t>Increasingly scalable, high availability</a:t>
+            </a:r>
+          </a:p>
+          <a:p>
+            <a:r>
+              <a:rPr lang="en-US" dirty="0"/>
+              <a:t>Excellent reliability</a:t>
+            </a:r>
+          </a:p>
+          <a:p>
+            <a:endParaRPr lang="en-US" dirty="0"/>
+          </a:p>
+          <a:p>
             <a:endParaRPr lang="en-US" dirty="0"/>
           </a:p>
         </p:txBody>
@@ -6949,6 +6959,45 @@
           </a:bodyPr>
           <a:lstStyle/>
           <a:p>
+            <a:r>
+              <a:rPr lang="en-US" dirty="0"/>
+              <a:t>Higher costs</a:t>
+            </a:r>
+          </a:p>
+          <a:p>
+            <a:r>
+              <a:rPr lang="en-US" dirty="0"/>
+              <a:t>Lower performance</a:t>
+            </a:r>
+          </a:p>
+          <a:p>
+            <a:r>
+              <a:rPr lang="en-US" dirty="0"/>
+              <a:t>Higher overhead</a:t>
+            </a:r>
+          </a:p>
+          <a:p>
+            <a:r>
+              <a:rPr lang="en-US" dirty="0"/>
+              <a:t>Higher bandwidth</a:t>
+            </a:r>
+          </a:p>
+          <a:p>
+            <a:r>
+              <a:rPr lang="en-US" dirty="0"/>
+              <a:t>Deployment is complex</a:t>
+            </a:r>
+          </a:p>
+          <a:p>
+            <a:r>
+              <a:rPr lang="en-US" dirty="0"/>
+              <a:t>Monitoring is also complex</a:t>
+            </a:r>
+          </a:p>
+          <a:p>
+            <a:endParaRPr lang="en-US" dirty="0"/>
+          </a:p>
+          <a:p>
             <a:endParaRPr lang="en-US" dirty="0"/>
           </a:p>
         </p:txBody>
@@ -6988,7 +7037,7 @@
           <p:cNvPr id="2" name="Title 1">
             <a:extLst>
               <a:ext uri="{FF2B5EF4-FFF2-40B4-BE49-F238E27FC236}">
-                <a16:creationId xmlns:a16="http://schemas.microsoft.com/office/drawing/2014/main" id="{C3718959-6770-477F-9AF4-D11C8DC94E8F}"/>
+                <a16:creationId xmlns:a16="http://schemas.microsoft.com/office/drawing/2014/main" id="{2089DA50-397C-49C8-ACC1-A78511FA0E65}"/>
               </a:ext>
             </a:extLst>
           </p:cNvPr>
@@ -7006,7 +7055,7 @@
           <a:p>
             <a:r>
               <a:rPr lang="en-US" dirty="0"/>
-              <a:t>SOA deployment and management</a:t>
+              <a:t>References</a:t>
             </a:r>
           </a:p>
         </p:txBody>
@@ -7016,7 +7065,7 @@
           <p:cNvPr id="3" name="Content Placeholder 2">
             <a:extLst>
               <a:ext uri="{FF2B5EF4-FFF2-40B4-BE49-F238E27FC236}">
-                <a16:creationId xmlns:a16="http://schemas.microsoft.com/office/drawing/2014/main" id="{A6AAC744-22CB-4330-AC3C-DAE459443112}"/>
+                <a16:creationId xmlns:a16="http://schemas.microsoft.com/office/drawing/2014/main" id="{27D28181-E4FB-4A51-A0EF-C1FC978C0F3C}"/>
               </a:ext>
             </a:extLst>
           </p:cNvPr>
@@ -7034,14 +7083,88 @@
           </a:bodyPr>
           <a:lstStyle/>
           <a:p>
-            <a:endParaRPr lang="en-US" dirty="0"/>
+            <a:endParaRPr lang="en-US" sz="900" dirty="0">
+              <a:effectLst/>
+            </a:endParaRPr>
+          </a:p>
+          <a:p>
+            <a:r>
+              <a:rPr lang="en-US" sz="1050" dirty="0">
+                <a:effectLst/>
+              </a:rPr>
+              <a:t>Richardson, L., &amp; Amundsen, M. (2015). RESTful Web APIs. Beijing: O'Reilly.</a:t>
+            </a:r>
+          </a:p>
+          <a:p>
+            <a:r>
+              <a:rPr lang="en-US" sz="1050" dirty="0">
+                <a:effectLst/>
+              </a:rPr>
+              <a:t>SOA – Overview. (n.d.) Retrieved from </a:t>
+            </a:r>
+            <a:r>
+              <a:rPr lang="en-US" sz="1050" dirty="0">
+                <a:effectLst/>
+                <a:hlinkClick r:id="rId2"/>
+              </a:rPr>
+              <a:t>https://www.tutorialspoint.com/soa/soa_overview.htm</a:t>
+            </a:r>
+            <a:endParaRPr lang="en-US" sz="1050" dirty="0">
+              <a:effectLst/>
+            </a:endParaRPr>
+          </a:p>
+          <a:p>
+            <a:r>
+              <a:rPr lang="en-US" sz="1050" dirty="0">
+                <a:effectLst/>
+              </a:rPr>
+              <a:t>SOA – Enterprise Service Bus. (n.d.) Retrieved from </a:t>
+            </a:r>
+            <a:r>
+              <a:rPr lang="en-US" sz="1050" dirty="0">
+                <a:effectLst/>
+                <a:hlinkClick r:id="rId3"/>
+              </a:rPr>
+              <a:t>https://www.tutorialspoint.com/soa/soa_enterprise_service_bus.htm</a:t>
+            </a:r>
+            <a:endParaRPr lang="en-US" sz="1050" dirty="0">
+              <a:effectLst/>
+            </a:endParaRPr>
+          </a:p>
+          <a:p>
+            <a:r>
+              <a:rPr lang="en-US" sz="1050" dirty="0">
+                <a:effectLst/>
+              </a:rPr>
+              <a:t>SOA vs. Microservices comparison for 2019. (n.d.) Retrieved from </a:t>
+            </a:r>
+            <a:r>
+              <a:rPr lang="en-US" sz="900" dirty="0">
+                <a:hlinkClick r:id="rId4"/>
+              </a:rPr>
+              <a:t>https://newizze.com/soa-vs-microservices-comparison-for-2019/</a:t>
+            </a:r>
+            <a:endParaRPr lang="en-US" sz="900" dirty="0"/>
+          </a:p>
+          <a:p>
+            <a:pPr marL="36900" indent="0">
+              <a:buNone/>
+            </a:pPr>
+            <a:endParaRPr lang="en-US" sz="1050" dirty="0">
+              <a:effectLst/>
+            </a:endParaRPr>
+          </a:p>
+          <a:p>
+            <a:endParaRPr lang="en-US" sz="1050" dirty="0">
+              <a:effectLst/>
+            </a:endParaRPr>
           </a:p>
         </p:txBody>
       </p:sp>
     </p:spTree>
     <p:extLst>
       <p:ext uri="{BB962C8B-B14F-4D97-AF65-F5344CB8AC3E}">
-        <p14:creationId xmlns:p14="http://schemas.microsoft.com/office/powerpoint/2010/main" val="871506227"/>
+        <p14:creationId xmlns:p14="http://schemas.microsoft.com/office/powerpoint/2010/main" val="3149789318"/>
       </p:ext>
     </p:extLst>
   </p:cSld>

--- a/week7-and-group_project/nesbitt-week7.pptx
+++ b/week7-and-group_project/nesbitt-week7.pptx
@@ -7626,15 +7626,15 @@
 <ds:datastoreItem xmlns:ds="http://schemas.openxmlformats.org/officeDocument/2006/customXml" ds:itemID="{F7E70FC5-1855-47AB-8CE1-CB3C873A8988}">
   <ds:schemaRefs>
     <ds:schemaRef ds:uri="http://schemas.microsoft.com/office/infopath/2007/PartnerControls"/>
-    <ds:schemaRef ds:uri="http://purl.org/dc/elements/1.1/"/>
-    <ds:schemaRef ds:uri="http://schemas.openxmlformats.org/package/2006/metadata/core-properties"/>
-    <ds:schemaRef ds:uri="71af3243-3dd4-4a8d-8c0d-dd76da1f02a5"/>
-    <ds:schemaRef ds:uri="http://purl.org/dc/terms/"/>
-    <ds:schemaRef ds:uri="http://schemas.microsoft.com/office/2006/documentManagement/types"/>
-    <ds:schemaRef ds:uri="http://www.w3.org/XML/1998/namespace"/>
     <ds:schemaRef ds:uri="http://purl.org/dc/dcmitype/"/>
     <ds:schemaRef ds:uri="16c05727-aa75-4e4a-9b5f-8a80a1165891"/>
+    <ds:schemaRef ds:uri="http://purl.org/dc/terms/"/>
+    <ds:schemaRef ds:uri="71af3243-3dd4-4a8d-8c0d-dd76da1f02a5"/>
+    <ds:schemaRef ds:uri="http://www.w3.org/XML/1998/namespace"/>
+    <ds:schemaRef ds:uri="http://schemas.openxmlformats.org/package/2006/metadata/core-properties"/>
+    <ds:schemaRef ds:uri="http://schemas.microsoft.com/office/2006/documentManagement/types"/>
     <ds:schemaRef ds:uri="http://schemas.microsoft.com/office/2006/metadata/properties"/>
+    <ds:schemaRef ds:uri="http://purl.org/dc/elements/1.1/"/>
   </ds:schemaRefs>
 </ds:datastoreItem>
 </file>